--- a/src/docs/Presentatie Vossen en Konijnen.pptx
+++ b/src/docs/Presentatie Vossen en Konijnen.pptx
@@ -112,6 +112,11 @@
       </a:defRPr>
     </a:lvl9pPr>
   </p:defaultTextStyle>
+  <p:extLst>
+    <p:ext uri="{EFAFB233-063F-42B5-8137-9DF3F51BA10A}">
+      <p15:sldGuideLst xmlns:p15="http://schemas.microsoft.com/office/powerpoint/2012/main"/>
+    </p:ext>
+  </p:extLst>
 </p:presentation>
 </file>
 
@@ -540,11 +545,11 @@
         </c:dLbls>
         <c:gapWidth val="219"/>
         <c:overlap val="-27"/>
-        <c:axId val="398628440"/>
-        <c:axId val="398629224"/>
+        <c:axId val="214623080"/>
+        <c:axId val="214625824"/>
       </c:barChart>
       <c:catAx>
-        <c:axId val="398628440"/>
+        <c:axId val="214623080"/>
         <c:scaling>
           <c:orientation val="minMax"/>
         </c:scaling>
@@ -587,7 +592,7 @@
             <a:endParaRPr lang="nl-NL"/>
           </a:p>
         </c:txPr>
-        <c:crossAx val="398629224"/>
+        <c:crossAx val="214625824"/>
         <c:crosses val="autoZero"/>
         <c:auto val="1"/>
         <c:lblAlgn val="ctr"/>
@@ -595,7 +600,7 @@
         <c:noMultiLvlLbl val="0"/>
       </c:catAx>
       <c:valAx>
-        <c:axId val="398629224"/>
+        <c:axId val="214625824"/>
         <c:scaling>
           <c:orientation val="minMax"/>
         </c:scaling>
@@ -646,7 +651,7 @@
             <a:endParaRPr lang="nl-NL"/>
           </a:p>
         </c:txPr>
-        <c:crossAx val="398628440"/>
+        <c:crossAx val="214623080"/>
         <c:crosses val="autoZero"/>
         <c:crossBetween val="between"/>
       </c:valAx>
@@ -7418,6 +7423,25 @@
   <p:clrMapOvr>
     <a:masterClrMapping/>
   </p:clrMapOvr>
+  <mc:AlternateContent xmlns:mc="http://schemas.openxmlformats.org/markup-compatibility/2006">
+    <mc:Choice xmlns:p14="http://schemas.microsoft.com/office/powerpoint/2010/main" Requires="p14">
+      <p:transition spd="slow" p14:dur="3000">
+        <p:circle/>
+      </p:transition>
+    </mc:Choice>
+    <mc:Fallback>
+      <p:transition spd="slow">
+        <p:circle/>
+      </p:transition>
+    </mc:Fallback>
+  </mc:AlternateContent>
+  <p:timing>
+    <p:tnLst>
+      <p:par>
+        <p:cTn id="1" dur="indefinite" restart="never" nodeType="tmRoot"/>
+      </p:par>
+    </p:tnLst>
+  </p:timing>
 </p:sld>
 </file>
 
@@ -7586,6 +7610,16 @@
   <p:clrMapOvr>
     <a:masterClrMapping/>
   </p:clrMapOvr>
+  <p:transition spd="slow">
+    <p:cover/>
+  </p:transition>
+  <p:timing>
+    <p:tnLst>
+      <p:par>
+        <p:cTn id="1" dur="indefinite" restart="never" nodeType="tmRoot"/>
+      </p:par>
+    </p:tnLst>
+  </p:timing>
 </p:sld>
 </file>
 
@@ -7710,6 +7744,25 @@
   <p:clrMapOvr>
     <a:masterClrMapping/>
   </p:clrMapOvr>
+  <mc:AlternateContent xmlns:mc="http://schemas.openxmlformats.org/markup-compatibility/2006">
+    <mc:Choice xmlns:p14="http://schemas.microsoft.com/office/powerpoint/2010/main" Requires="p14">
+      <p:transition spd="slow" p14:dur="3400">
+        <p14:reveal/>
+      </p:transition>
+    </mc:Choice>
+    <mc:Fallback>
+      <p:transition spd="slow">
+        <p:fade/>
+      </p:transition>
+    </mc:Fallback>
+  </mc:AlternateContent>
+  <p:timing>
+    <p:tnLst>
+      <p:par>
+        <p:cTn id="1" dur="indefinite" restart="never" nodeType="tmRoot"/>
+      </p:par>
+    </p:tnLst>
+  </p:timing>
 </p:sld>
 </file>
 
@@ -7899,6 +7952,25 @@
   <p:clrMapOvr>
     <a:masterClrMapping/>
   </p:clrMapOvr>
+  <mc:AlternateContent xmlns:mc="http://schemas.openxmlformats.org/markup-compatibility/2006">
+    <mc:Choice xmlns:p14="http://schemas.microsoft.com/office/powerpoint/2010/main" Requires="p14">
+      <p:transition spd="slow" p14:dur="3400">
+        <p14:reveal/>
+      </p:transition>
+    </mc:Choice>
+    <mc:Fallback>
+      <p:transition spd="slow">
+        <p:fade/>
+      </p:transition>
+    </mc:Fallback>
+  </mc:AlternateContent>
+  <p:timing>
+    <p:tnLst>
+      <p:par>
+        <p:cTn id="1" dur="indefinite" restart="never" nodeType="tmRoot"/>
+      </p:par>
+    </p:tnLst>
+  </p:timing>
 </p:sld>
 </file>
 
@@ -8024,6 +8096,25 @@
   <p:clrMapOvr>
     <a:masterClrMapping/>
   </p:clrMapOvr>
+  <mc:AlternateContent xmlns:mc="http://schemas.openxmlformats.org/markup-compatibility/2006">
+    <mc:Choice xmlns:p14="http://schemas.microsoft.com/office/powerpoint/2010/main" Requires="p14">
+      <p:transition spd="slow" p14:dur="3400">
+        <p14:reveal/>
+      </p:transition>
+    </mc:Choice>
+    <mc:Fallback>
+      <p:transition spd="slow">
+        <p:fade/>
+      </p:transition>
+    </mc:Fallback>
+  </mc:AlternateContent>
+  <p:timing>
+    <p:tnLst>
+      <p:par>
+        <p:cTn id="1" dur="indefinite" restart="never" nodeType="tmRoot"/>
+      </p:par>
+    </p:tnLst>
+  </p:timing>
 </p:sld>
 </file>
 
@@ -8123,10 +8214,15 @@
             <p:ph idx="1"/>
           </p:nvPr>
         </p:nvSpPr>
-        <p:spPr/>
+        <p:spPr>
+          <a:xfrm>
+            <a:off x="1484310" y="2666999"/>
+            <a:ext cx="10018713" cy="3457756"/>
+          </a:xfrm>
+        </p:spPr>
         <p:txBody>
           <a:bodyPr anchor="t">
-            <a:normAutofit/>
+            <a:normAutofit lnSpcReduction="10000"/>
           </a:bodyPr>
           <a:lstStyle/>
           <a:p>
@@ -8194,7 +8290,32 @@
                   <a:schemeClr val="accent1"/>
                 </a:solidFill>
               </a:rPr>
-              <a:t>Geslacht (extra uitbreiding)</a:t>
+              <a:t>Geslacht (extra uitbreiding</a:t>
+            </a:r>
+            <a:r>
+              <a:rPr lang="nl-NL" sz="3600" dirty="0" smtClean="0">
+                <a:solidFill>
+                  <a:schemeClr val="accent1"/>
+                </a:solidFill>
+              </a:rPr>
+              <a:t>)</a:t>
+            </a:r>
+          </a:p>
+          <a:p>
+            <a:pPr>
+              <a:buClr>
+                <a:schemeClr val="bg2">
+                  <a:lumMod val="50000"/>
+                </a:schemeClr>
+              </a:buClr>
+            </a:pPr>
+            <a:r>
+              <a:rPr lang="nl-NL" sz="3600" dirty="0" err="1" smtClean="0">
+                <a:solidFill>
+                  <a:schemeClr val="accent1"/>
+                </a:solidFill>
+              </a:rPr>
+              <a:t>Threads</a:t>
             </a:r>
             <a:endParaRPr lang="nl-NL" sz="3600" dirty="0">
               <a:solidFill>
@@ -8214,6 +8335,25 @@
   <p:clrMapOvr>
     <a:masterClrMapping/>
   </p:clrMapOvr>
+  <mc:AlternateContent xmlns:mc="http://schemas.openxmlformats.org/markup-compatibility/2006">
+    <mc:Choice xmlns:p14="http://schemas.microsoft.com/office/powerpoint/2010/main" Requires="p14">
+      <p:transition spd="slow" p14:dur="3400">
+        <p14:reveal/>
+      </p:transition>
+    </mc:Choice>
+    <mc:Fallback>
+      <p:transition spd="slow">
+        <p:fade/>
+      </p:transition>
+    </mc:Fallback>
+  </mc:AlternateContent>
+  <p:timing>
+    <p:tnLst>
+      <p:par>
+        <p:cTn id="1" dur="indefinite" restart="never" nodeType="tmRoot"/>
+      </p:par>
+    </p:tnLst>
+  </p:timing>
 </p:sld>
 </file>
 
@@ -8375,6 +8515,25 @@
   <p:clrMapOvr>
     <a:masterClrMapping/>
   </p:clrMapOvr>
+  <mc:AlternateContent xmlns:mc="http://schemas.openxmlformats.org/markup-compatibility/2006">
+    <mc:Choice xmlns:p14="http://schemas.microsoft.com/office/powerpoint/2010/main" Requires="p14">
+      <p:transition spd="slow" p14:dur="3400">
+        <p14:reveal/>
+      </p:transition>
+    </mc:Choice>
+    <mc:Fallback>
+      <p:transition spd="slow">
+        <p:fade/>
+      </p:transition>
+    </mc:Fallback>
+  </mc:AlternateContent>
+  <p:timing>
+    <p:tnLst>
+      <p:par>
+        <p:cTn id="1" dur="indefinite" restart="never" nodeType="tmRoot"/>
+      </p:par>
+    </p:tnLst>
+  </p:timing>
 </p:sld>
 </file>
 
@@ -8548,6 +8707,25 @@
   <p:clrMapOvr>
     <a:masterClrMapping/>
   </p:clrMapOvr>
+  <mc:AlternateContent xmlns:mc="http://schemas.openxmlformats.org/markup-compatibility/2006">
+    <mc:Choice xmlns:p14="http://schemas.microsoft.com/office/powerpoint/2010/main" Requires="p14">
+      <p:transition spd="slow" p14:dur="3400">
+        <p14:reveal/>
+      </p:transition>
+    </mc:Choice>
+    <mc:Fallback>
+      <p:transition spd="slow">
+        <p:fade/>
+      </p:transition>
+    </mc:Fallback>
+  </mc:AlternateContent>
+  <p:timing>
+    <p:tnLst>
+      <p:par>
+        <p:cTn id="1" dur="indefinite" restart="never" nodeType="tmRoot"/>
+      </p:par>
+    </p:tnLst>
+  </p:timing>
 </p:sld>
 </file>
 
@@ -8676,6 +8854,25 @@
   <p:clrMapOvr>
     <a:masterClrMapping/>
   </p:clrMapOvr>
+  <mc:AlternateContent xmlns:mc="http://schemas.openxmlformats.org/markup-compatibility/2006">
+    <mc:Choice xmlns:p14="http://schemas.microsoft.com/office/powerpoint/2010/main" Requires="p14">
+      <p:transition spd="slow" p14:dur="3400">
+        <p14:reveal/>
+      </p:transition>
+    </mc:Choice>
+    <mc:Fallback>
+      <p:transition spd="slow">
+        <p:fade/>
+      </p:transition>
+    </mc:Fallback>
+  </mc:AlternateContent>
+  <p:timing>
+    <p:tnLst>
+      <p:par>
+        <p:cTn id="1" dur="indefinite" restart="never" nodeType="tmRoot"/>
+      </p:par>
+    </p:tnLst>
+  </p:timing>
 </p:sld>
 </file>
 

--- a/src/docs/Presentatie Vossen en Konijnen.pptx
+++ b/src/docs/Presentatie Vossen en Konijnen.pptx
@@ -160,7 +160,6 @@
           </a:p>
         </c:rich>
       </c:tx>
-      <c:layout/>
       <c:overlay val="0"/>
       <c:spPr>
         <a:noFill/>
@@ -545,11 +544,11 @@
         </c:dLbls>
         <c:gapWidth val="219"/>
         <c:overlap val="-27"/>
-        <c:axId val="214623080"/>
-        <c:axId val="214625824"/>
+        <c:axId val="222012616"/>
+        <c:axId val="222013792"/>
       </c:barChart>
       <c:catAx>
-        <c:axId val="214623080"/>
+        <c:axId val="222012616"/>
         <c:scaling>
           <c:orientation val="minMax"/>
         </c:scaling>
@@ -592,7 +591,7 @@
             <a:endParaRPr lang="nl-NL"/>
           </a:p>
         </c:txPr>
-        <c:crossAx val="214625824"/>
+        <c:crossAx val="222013792"/>
         <c:crosses val="autoZero"/>
         <c:auto val="1"/>
         <c:lblAlgn val="ctr"/>
@@ -600,7 +599,7 @@
         <c:noMultiLvlLbl val="0"/>
       </c:catAx>
       <c:valAx>
-        <c:axId val="214625824"/>
+        <c:axId val="222013792"/>
         <c:scaling>
           <c:orientation val="minMax"/>
         </c:scaling>
@@ -651,7 +650,7 @@
             <a:endParaRPr lang="nl-NL"/>
           </a:p>
         </c:txPr>
-        <c:crossAx val="214623080"/>
+        <c:crossAx val="222012616"/>
         <c:crosses val="autoZero"/>
         <c:crossBetween val="between"/>
       </c:valAx>
@@ -665,7 +664,6 @@
     </c:plotArea>
     <c:legend>
       <c:legendPos val="b"/>
-      <c:layout/>
       <c:overlay val="0"/>
       <c:spPr>
         <a:noFill/>
@@ -7423,13 +7421,13 @@
   <p:clrMapOvr>
     <a:masterClrMapping/>
   </p:clrMapOvr>
-  <mc:AlternateContent xmlns:mc="http://schemas.openxmlformats.org/markup-compatibility/2006">
-    <mc:Choice xmlns:p14="http://schemas.microsoft.com/office/powerpoint/2010/main" Requires="p14">
+  <mc:AlternateContent xmlns:mc="http://schemas.openxmlformats.org/markup-compatibility/2006" xmlns:p14="http://schemas.microsoft.com/office/powerpoint/2010/main">
+    <mc:Choice Requires="p14">
       <p:transition spd="slow" p14:dur="3000">
         <p:circle/>
       </p:transition>
     </mc:Choice>
-    <mc:Fallback>
+    <mc:Fallback xmlns="">
       <p:transition spd="slow">
         <p:circle/>
       </p:transition>
@@ -7744,13 +7742,13 @@
   <p:clrMapOvr>
     <a:masterClrMapping/>
   </p:clrMapOvr>
-  <mc:AlternateContent xmlns:mc="http://schemas.openxmlformats.org/markup-compatibility/2006">
-    <mc:Choice xmlns:p14="http://schemas.microsoft.com/office/powerpoint/2010/main" Requires="p14">
+  <mc:AlternateContent xmlns:mc="http://schemas.openxmlformats.org/markup-compatibility/2006" xmlns:p14="http://schemas.microsoft.com/office/powerpoint/2010/main">
+    <mc:Choice Requires="p14">
       <p:transition spd="slow" p14:dur="3400">
         <p14:reveal/>
       </p:transition>
     </mc:Choice>
-    <mc:Fallback>
+    <mc:Fallback xmlns="">
       <p:transition spd="slow">
         <p:fade/>
       </p:transition>
@@ -7862,7 +7860,12 @@
             <p:ph idx="1"/>
           </p:nvPr>
         </p:nvSpPr>
-        <p:spPr/>
+        <p:spPr>
+          <a:xfrm>
+            <a:off x="1484310" y="2666999"/>
+            <a:ext cx="10018713" cy="3475009"/>
+          </a:xfrm>
+        </p:spPr>
         <p:txBody>
           <a:bodyPr anchor="t">
             <a:normAutofit/>
@@ -7932,7 +7935,40 @@
                   <a:schemeClr val="accent1"/>
                 </a:solidFill>
               </a:rPr>
-              <a:t>Views (cirkeldiagram, staafdiagram en lijndiagram)</a:t>
+              <a:t>Views (cirkeldiagram, staafdiagram en lijndiagram</a:t>
+            </a:r>
+            <a:r>
+              <a:rPr lang="nl-NL" sz="3600" dirty="0" smtClean="0">
+                <a:solidFill>
+                  <a:schemeClr val="accent1"/>
+                </a:solidFill>
+              </a:rPr>
+              <a:t>)</a:t>
+            </a:r>
+          </a:p>
+          <a:p>
+            <a:pPr>
+              <a:buClr>
+                <a:schemeClr val="bg2">
+                  <a:lumMod val="50000"/>
+                </a:schemeClr>
+              </a:buClr>
+            </a:pPr>
+            <a:r>
+              <a:rPr lang="nl-NL" sz="3600" dirty="0" smtClean="0">
+                <a:solidFill>
+                  <a:schemeClr val="accent1"/>
+                </a:solidFill>
+              </a:rPr>
+              <a:t>Testen van code met </a:t>
+            </a:r>
+            <a:r>
+              <a:rPr lang="nl-NL" sz="3600" smtClean="0">
+                <a:solidFill>
+                  <a:schemeClr val="accent1"/>
+                </a:solidFill>
+              </a:rPr>
+              <a:t>JUnit</a:t>
             </a:r>
             <a:endParaRPr lang="nl-NL" sz="3600" dirty="0">
               <a:solidFill>
@@ -7952,13 +7988,13 @@
   <p:clrMapOvr>
     <a:masterClrMapping/>
   </p:clrMapOvr>
-  <mc:AlternateContent xmlns:mc="http://schemas.openxmlformats.org/markup-compatibility/2006">
-    <mc:Choice xmlns:p14="http://schemas.microsoft.com/office/powerpoint/2010/main" Requires="p14">
+  <mc:AlternateContent xmlns:mc="http://schemas.openxmlformats.org/markup-compatibility/2006" xmlns:p14="http://schemas.microsoft.com/office/powerpoint/2010/main">
+    <mc:Choice Requires="p14">
       <p:transition spd="slow" p14:dur="3400">
         <p14:reveal/>
       </p:transition>
     </mc:Choice>
-    <mc:Fallback>
+    <mc:Fallback xmlns="">
       <p:transition spd="slow">
         <p:fade/>
       </p:transition>
@@ -8096,13 +8132,13 @@
   <p:clrMapOvr>
     <a:masterClrMapping/>
   </p:clrMapOvr>
-  <mc:AlternateContent xmlns:mc="http://schemas.openxmlformats.org/markup-compatibility/2006">
-    <mc:Choice xmlns:p14="http://schemas.microsoft.com/office/powerpoint/2010/main" Requires="p14">
+  <mc:AlternateContent xmlns:mc="http://schemas.openxmlformats.org/markup-compatibility/2006" xmlns:p14="http://schemas.microsoft.com/office/powerpoint/2010/main">
+    <mc:Choice Requires="p14">
       <p:transition spd="slow" p14:dur="3400">
         <p14:reveal/>
       </p:transition>
     </mc:Choice>
-    <mc:Fallback>
+    <mc:Fallback xmlns="">
       <p:transition spd="slow">
         <p:fade/>
       </p:transition>
@@ -8290,15 +8326,7 @@
                   <a:schemeClr val="accent1"/>
                 </a:solidFill>
               </a:rPr>
-              <a:t>Geslacht (extra uitbreiding</a:t>
-            </a:r>
-            <a:r>
-              <a:rPr lang="nl-NL" sz="3600" dirty="0" smtClean="0">
-                <a:solidFill>
-                  <a:schemeClr val="accent1"/>
-                </a:solidFill>
-              </a:rPr>
-              <a:t>)</a:t>
+              <a:t>Geslacht (extra uitbreiding)</a:t>
             </a:r>
           </a:p>
           <a:p>
@@ -8335,13 +8363,13 @@
   <p:clrMapOvr>
     <a:masterClrMapping/>
   </p:clrMapOvr>
-  <mc:AlternateContent xmlns:mc="http://schemas.openxmlformats.org/markup-compatibility/2006">
-    <mc:Choice xmlns:p14="http://schemas.microsoft.com/office/powerpoint/2010/main" Requires="p14">
+  <mc:AlternateContent xmlns:mc="http://schemas.openxmlformats.org/markup-compatibility/2006" xmlns:p14="http://schemas.microsoft.com/office/powerpoint/2010/main">
+    <mc:Choice Requires="p14">
       <p:transition spd="slow" p14:dur="3400">
         <p14:reveal/>
       </p:transition>
     </mc:Choice>
-    <mc:Fallback>
+    <mc:Fallback xmlns="">
       <p:transition spd="slow">
         <p:fade/>
       </p:transition>
@@ -8515,13 +8543,13 @@
   <p:clrMapOvr>
     <a:masterClrMapping/>
   </p:clrMapOvr>
-  <mc:AlternateContent xmlns:mc="http://schemas.openxmlformats.org/markup-compatibility/2006">
-    <mc:Choice xmlns:p14="http://schemas.microsoft.com/office/powerpoint/2010/main" Requires="p14">
+  <mc:AlternateContent xmlns:mc="http://schemas.openxmlformats.org/markup-compatibility/2006" xmlns:p14="http://schemas.microsoft.com/office/powerpoint/2010/main">
+    <mc:Choice Requires="p14">
       <p:transition spd="slow" p14:dur="3400">
         <p14:reveal/>
       </p:transition>
     </mc:Choice>
-    <mc:Fallback>
+    <mc:Fallback xmlns="">
       <p:transition spd="slow">
         <p:fade/>
       </p:transition>
@@ -8707,13 +8735,13 @@
   <p:clrMapOvr>
     <a:masterClrMapping/>
   </p:clrMapOvr>
-  <mc:AlternateContent xmlns:mc="http://schemas.openxmlformats.org/markup-compatibility/2006">
-    <mc:Choice xmlns:p14="http://schemas.microsoft.com/office/powerpoint/2010/main" Requires="p14">
+  <mc:AlternateContent xmlns:mc="http://schemas.openxmlformats.org/markup-compatibility/2006" xmlns:p14="http://schemas.microsoft.com/office/powerpoint/2010/main">
+    <mc:Choice Requires="p14">
       <p:transition spd="slow" p14:dur="3400">
         <p14:reveal/>
       </p:transition>
     </mc:Choice>
-    <mc:Fallback>
+    <mc:Fallback xmlns="">
       <p:transition spd="slow">
         <p:fade/>
       </p:transition>
@@ -8854,13 +8882,13 @@
   <p:clrMapOvr>
     <a:masterClrMapping/>
   </p:clrMapOvr>
-  <mc:AlternateContent xmlns:mc="http://schemas.openxmlformats.org/markup-compatibility/2006">
-    <mc:Choice xmlns:p14="http://schemas.microsoft.com/office/powerpoint/2010/main" Requires="p14">
+  <mc:AlternateContent xmlns:mc="http://schemas.openxmlformats.org/markup-compatibility/2006" xmlns:p14="http://schemas.microsoft.com/office/powerpoint/2010/main">
+    <mc:Choice Requires="p14">
       <p:transition spd="slow" p14:dur="3400">
         <p14:reveal/>
       </p:transition>
     </mc:Choice>
-    <mc:Fallback>
+    <mc:Fallback xmlns="">
       <p:transition spd="slow">
         <p:fade/>
       </p:transition>
